--- a/01.slides/Buoi 2 - ESP8266 Basic/STM32 ESP-LINK FIRMWARE TRAINING.pptx
+++ b/01.slides/Buoi 2 - ESP8266 Basic/STM32 ESP-LINK FIRMWARE TRAINING.pptx
@@ -3041,7 +3041,7 @@
             <a:fld id="{3259C393-9A2B-45A2-8E4E-FAFA5413C1FC}" type="datetime1">
               <a:rPr lang="en-US" altLang="en-US" smtClean="0"/>
               <a:pPr/>
-              <a:t>8/25/2021</a:t>
+              <a:t>10/10/2021</a:t>
             </a:fld>
             <a:endParaRPr lang="en-US" altLang="en-US" dirty="0"/>
           </a:p>
@@ -3228,7 +3228,7 @@
             <a:fld id="{12C67B00-BE02-4BB9-B9A5-D51D0D1A821E}" type="datetime1">
               <a:rPr lang="en-US" altLang="en-US" smtClean="0"/>
               <a:pPr/>
-              <a:t>8/25/2021</a:t>
+              <a:t>10/10/2021</a:t>
             </a:fld>
             <a:endParaRPr lang="en-US" altLang="en-US" dirty="0"/>
           </a:p>
@@ -3430,7 +3430,7 @@
             <a:fld id="{7FA2D16B-FB7D-484B-A659-F70C0EEA95A8}" type="datetime1">
               <a:rPr lang="en-US" altLang="en-US" smtClean="0"/>
               <a:pPr/>
-              <a:t>8/25/2021</a:t>
+              <a:t>10/10/2021</a:t>
             </a:fld>
             <a:endParaRPr lang="en-US" altLang="en-US" dirty="0"/>
           </a:p>
@@ -3622,7 +3622,7 @@
             <a:fld id="{53158947-7A00-4A76-84B1-1B2119E03B78}" type="datetime1">
               <a:rPr lang="en-US" altLang="en-US" smtClean="0"/>
               <a:pPr/>
-              <a:t>8/25/2021</a:t>
+              <a:t>10/10/2021</a:t>
             </a:fld>
             <a:endParaRPr lang="en-US" altLang="en-US" dirty="0"/>
           </a:p>
@@ -3830,7 +3830,7 @@
             <a:fld id="{ED91BFB3-8F1B-477F-B96F-8BA65B2D4AD3}" type="datetime1">
               <a:rPr lang="en-US" altLang="en-US" smtClean="0"/>
               <a:pPr/>
-              <a:t>8/25/2021</a:t>
+              <a:t>10/10/2021</a:t>
             </a:fld>
             <a:endParaRPr lang="en-US" altLang="en-US" dirty="0"/>
           </a:p>
@@ -4138,7 +4138,7 @@
             <a:fld id="{B493DC1E-4DED-43A8-89C3-4163E3A75CBB}" type="datetime1">
               <a:rPr lang="en-US" altLang="en-US" smtClean="0"/>
               <a:pPr/>
-              <a:t>8/25/2021</a:t>
+              <a:t>10/10/2021</a:t>
             </a:fld>
             <a:endParaRPr lang="en-US" altLang="en-US" dirty="0"/>
           </a:p>
@@ -4585,7 +4585,7 @@
             <a:fld id="{6676BA95-CF00-41A1-A420-966FC66619DA}" type="datetime1">
               <a:rPr lang="en-US" altLang="en-US" smtClean="0"/>
               <a:pPr/>
-              <a:t>8/25/2021</a:t>
+              <a:t>10/10/2021</a:t>
             </a:fld>
             <a:endParaRPr lang="en-US" altLang="en-US" dirty="0"/>
           </a:p>
@@ -4719,7 +4719,7 @@
             <a:fld id="{D0CD8A93-8C14-4267-B95F-FE4BE0AB69DE}" type="datetime1">
               <a:rPr lang="en-US" altLang="en-US" smtClean="0"/>
               <a:pPr/>
-              <a:t>8/25/2021</a:t>
+              <a:t>10/10/2021</a:t>
             </a:fld>
             <a:endParaRPr lang="en-US" altLang="en-US" dirty="0"/>
           </a:p>
@@ -4831,7 +4831,7 @@
             <a:fld id="{2E05897D-7D60-41CE-AECE-5AF4DAA0D447}" type="datetime1">
               <a:rPr lang="en-US" altLang="en-US" smtClean="0"/>
               <a:pPr/>
-              <a:t>8/25/2021</a:t>
+              <a:t>10/10/2021</a:t>
             </a:fld>
             <a:endParaRPr lang="en-US" altLang="en-US" dirty="0"/>
           </a:p>
@@ -5126,7 +5126,7 @@
             <a:fld id="{11919950-C514-47F9-AEFE-38055CCEE8E4}" type="datetime1">
               <a:rPr lang="en-US" altLang="en-US" smtClean="0"/>
               <a:pPr/>
-              <a:t>8/25/2021</a:t>
+              <a:t>10/10/2021</a:t>
             </a:fld>
             <a:endParaRPr lang="en-US" altLang="en-US" dirty="0"/>
           </a:p>
@@ -5399,7 +5399,7 @@
             <a:fld id="{686D2572-3AEE-4103-AD61-E3B66B0BAB81}" type="datetime1">
               <a:rPr lang="en-US" altLang="en-US" smtClean="0"/>
               <a:pPr/>
-              <a:t>8/25/2021</a:t>
+              <a:t>10/10/2021</a:t>
             </a:fld>
             <a:endParaRPr lang="en-US" altLang="en-US" dirty="0"/>
           </a:p>
@@ -7448,7 +7448,7 @@
             <a:fld id="{375B0982-7648-47FF-97D6-16483483F3D5}" type="datetime1">
               <a:rPr lang="en-US" altLang="en-US" smtClean="0"/>
               <a:pPr/>
-              <a:t>8/25/2021</a:t>
+              <a:t>10/10/2021</a:t>
             </a:fld>
             <a:endParaRPr lang="en-US" altLang="en-US" dirty="0"/>
           </a:p>
@@ -12185,8 +12185,8 @@
         </p:blipFill>
         <p:spPr>
           <a:xfrm>
-            <a:off x="1524000" y="2641441"/>
-            <a:ext cx="5715000" cy="3798094"/>
+            <a:off x="1752600" y="3454167"/>
+            <a:ext cx="4960040" cy="3296360"/>
           </a:xfrm>
           <a:noFill/>
         </p:spPr>
@@ -12208,7 +12208,7 @@
         <p:spPr bwMode="auto">
           <a:xfrm>
             <a:off x="566530" y="1676401"/>
-            <a:ext cx="7696200" cy="838199"/>
+            <a:ext cx="7696200" cy="1828799"/>
           </a:xfrm>
           <a:prstGeom prst="rect">
             <a:avLst/>
@@ -12252,7 +12252,7 @@
             <a:prstTxWarp prst="textNoShape">
               <a:avLst/>
             </a:prstTxWarp>
-            <a:normAutofit/>
+            <a:normAutofit fontScale="62500" lnSpcReduction="20000"/>
           </a:bodyPr>
           <a:lstStyle>
             <a:lvl1pPr marL="45720" indent="0" algn="l" rtl="0" eaLnBrk="1" fontAlgn="base" hangingPunct="1">
@@ -12472,6 +12472,71 @@
               <a:t>Telemetry Transport</a:t>
             </a:r>
           </a:p>
+          <a:p>
+            <a:r>
+              <a:rPr lang="en-US" kern="0" dirty="0"/>
+              <a:t>MQTT is built on-top TCP/IP Stack (UDP, TCP, </a:t>
+            </a:r>
+            <a:r>
+              <a:rPr lang="en-US" kern="0" dirty="0" err="1"/>
+              <a:t>Websocket</a:t>
+            </a:r>
+            <a:r>
+              <a:rPr lang="en-US" kern="0" dirty="0"/>
+              <a:t>)</a:t>
+            </a:r>
+          </a:p>
+          <a:p>
+            <a:r>
+              <a:rPr lang="en-US" kern="0" dirty="0"/>
+              <a:t>Message Queuing = </a:t>
+            </a:r>
+            <a:r>
+              <a:rPr lang="en-US" kern="0" dirty="0" err="1"/>
+              <a:t>hàng</a:t>
+            </a:r>
+            <a:r>
+              <a:rPr lang="en-US" kern="0" dirty="0"/>
+              <a:t> </a:t>
+            </a:r>
+            <a:r>
+              <a:rPr lang="en-US" kern="0" dirty="0" err="1"/>
+              <a:t>đợi</a:t>
+            </a:r>
+            <a:r>
+              <a:rPr lang="en-US" kern="0" dirty="0"/>
+              <a:t> </a:t>
+            </a:r>
+            <a:r>
+              <a:rPr lang="en-US" kern="0" dirty="0" err="1"/>
+              <a:t>gói</a:t>
+            </a:r>
+            <a:r>
+              <a:rPr lang="en-US" kern="0" dirty="0"/>
+              <a:t> tin</a:t>
+            </a:r>
+          </a:p>
+          <a:p>
+            <a:r>
+              <a:rPr lang="en-US" kern="0" dirty="0"/>
+              <a:t>Telemetry: collect sensor data / remote control</a:t>
+            </a:r>
+          </a:p>
+          <a:p>
+            <a:r>
+              <a:rPr lang="en-US" kern="0" dirty="0"/>
+              <a:t>        MQTT                                      |           HTTP</a:t>
+            </a:r>
+          </a:p>
+          <a:p>
+            <a:r>
+              <a:rPr lang="en-US" kern="0" dirty="0"/>
+              <a:t>Sleep Device (Async – PUB/SUB)  |  Always-on Device (Sync REQ-REP)</a:t>
+            </a:r>
+          </a:p>
+          <a:p>
+            <a:endParaRPr lang="en-US" kern="0" dirty="0"/>
+          </a:p>
         </p:txBody>
       </p:sp>
     </p:spTree>
@@ -12562,8 +12627,8 @@
         </p:blipFill>
         <p:spPr bwMode="auto">
           <a:xfrm>
-            <a:off x="457200" y="1483642"/>
-            <a:ext cx="8229600" cy="5408613"/>
+            <a:off x="457200" y="1633881"/>
+            <a:ext cx="8001000" cy="5258374"/>
           </a:xfrm>
           <a:prstGeom prst="rect">
             <a:avLst/>
